--- a/group_presentation_knowledge_sharing_slide.pptx
+++ b/group_presentation_knowledge_sharing_slide.pptx
@@ -34807,7 +34807,7 @@
               <a:t>Bhuiyan</a:t>
             </a:r>
             <a:r>
-              <a:rPr lang="en-US" sz="2000" b="0" strike="noStrike" spc="-1" dirty="0">
+              <a:rPr lang="en-US" sz="2000" b="0" strike="noStrike" spc="-1">
                 <a:solidFill>
                   <a:schemeClr val="dk1">
                     <a:lumMod val="85000"/>
@@ -34816,15 +34816,20 @@
                 </a:solidFill>
                 <a:latin typeface="Calibri"/>
               </a:rPr>
-              <a:t>-          0122410061</a:t>
+              <a:t>-          </a:t>
             </a:r>
             <a:r>
-              <a:rPr sz="2000" dirty="0"/>
-              <a:t/>
+              <a:rPr lang="en-US" sz="2000" b="0" strike="noStrike" spc="-1" smtClean="0">
+                <a:solidFill>
+                  <a:schemeClr val="dk1">
+                    <a:lumMod val="85000"/>
+                    <a:lumOff val="15000"/>
+                  </a:schemeClr>
+                </a:solidFill>
+                <a:latin typeface="Calibri"/>
+              </a:rPr>
+              <a:t>0122410061</a:t>
             </a:r>
-            <a:br>
-              <a:rPr sz="2000" dirty="0"/>
-            </a:br>
             <a:endParaRPr lang="en-US" sz="2000" b="0" strike="noStrike" spc="-1" dirty="0">
               <a:solidFill>
                 <a:srgbClr val="000000"/>
